--- a/documentation/Presentation/Presentation+.pptx
+++ b/documentation/Presentation/Presentation+.pptx
@@ -288,7 +288,7 @@
             <a:fld id="{87DE6118-2437-4B30-8E3C-4D2BE6020583}" type="datetimeFigureOut">
               <a:rPr lang="en-US" dirty="0"/>
               <a:pPr/>
-              <a:t>6/4/2019</a:t>
+              <a:t>6/19/2019</a:t>
             </a:fld>
             <a:endParaRPr lang="en-US" dirty="0"/>
           </a:p>
@@ -614,7 +614,7 @@
           <a:p>
             <a:fld id="{87DE6118-2437-4B30-8E3C-4D2BE6020583}" type="datetimeFigureOut">
               <a:rPr lang="en-US" dirty="0"/>
-              <a:t>6/4/2019</a:t>
+              <a:t>6/19/2019</a:t>
             </a:fld>
             <a:endParaRPr lang="en-US" dirty="0"/>
           </a:p>
@@ -789,7 +789,7 @@
           <a:p>
             <a:fld id="{87DE6118-2437-4B30-8E3C-4D2BE6020583}" type="datetimeFigureOut">
               <a:rPr lang="en-US" dirty="0"/>
-              <a:t>6/4/2019</a:t>
+              <a:t>6/19/2019</a:t>
             </a:fld>
             <a:endParaRPr lang="en-US" dirty="0"/>
           </a:p>
@@ -954,7 +954,7 @@
           <a:p>
             <a:fld id="{87DE6118-2437-4B30-8E3C-4D2BE6020583}" type="datetimeFigureOut">
               <a:rPr lang="en-US" dirty="0"/>
-              <a:t>6/4/2019</a:t>
+              <a:t>6/19/2019</a:t>
             </a:fld>
             <a:endParaRPr lang="en-US" dirty="0"/>
           </a:p>
@@ -1227,7 +1227,7 @@
             <a:fld id="{87DE6118-2437-4B30-8E3C-4D2BE6020583}" type="datetimeFigureOut">
               <a:rPr lang="en-US" dirty="0"/>
               <a:pPr/>
-              <a:t>6/4/2019</a:t>
+              <a:t>6/19/2019</a:t>
             </a:fld>
             <a:endParaRPr lang="en-US" dirty="0"/>
           </a:p>
@@ -1617,7 +1617,7 @@
           <a:p>
             <a:fld id="{87DE6118-2437-4B30-8E3C-4D2BE6020583}" type="datetimeFigureOut">
               <a:rPr lang="en-US" dirty="0"/>
-              <a:t>6/4/2019</a:t>
+              <a:t>6/19/2019</a:t>
             </a:fld>
             <a:endParaRPr lang="en-US" dirty="0"/>
           </a:p>
@@ -2089,7 +2089,7 @@
           <a:p>
             <a:fld id="{87DE6118-2437-4B30-8E3C-4D2BE6020583}" type="datetimeFigureOut">
               <a:rPr lang="en-US" dirty="0"/>
-              <a:t>6/4/2019</a:t>
+              <a:t>6/19/2019</a:t>
             </a:fld>
             <a:endParaRPr lang="en-US" dirty="0"/>
           </a:p>
@@ -2202,7 +2202,7 @@
           <a:p>
             <a:fld id="{87DE6118-2437-4B30-8E3C-4D2BE6020583}" type="datetimeFigureOut">
               <a:rPr lang="en-US" dirty="0"/>
-              <a:t>6/4/2019</a:t>
+              <a:t>6/19/2019</a:t>
             </a:fld>
             <a:endParaRPr lang="en-US" dirty="0"/>
           </a:p>
@@ -2292,7 +2292,7 @@
           <a:p>
             <a:fld id="{87DE6118-2437-4B30-8E3C-4D2BE6020583}" type="datetimeFigureOut">
               <a:rPr lang="en-US" dirty="0"/>
-              <a:t>6/4/2019</a:t>
+              <a:t>6/19/2019</a:t>
             </a:fld>
             <a:endParaRPr lang="en-US" dirty="0"/>
           </a:p>
@@ -2634,7 +2634,7 @@
             <a:fld id="{87DE6118-2437-4B30-8E3C-4D2BE6020583}" type="datetimeFigureOut">
               <a:rPr lang="en-US" dirty="0"/>
               <a:pPr/>
-              <a:t>6/4/2019</a:t>
+              <a:t>6/19/2019</a:t>
             </a:fld>
             <a:endParaRPr lang="en-US" dirty="0"/>
           </a:p>
@@ -3019,7 +3019,7 @@
             <a:fld id="{87DE6118-2437-4B30-8E3C-4D2BE6020583}" type="datetimeFigureOut">
               <a:rPr lang="en-US" dirty="0"/>
               <a:pPr/>
-              <a:t>6/4/2019</a:t>
+              <a:t>6/19/2019</a:t>
             </a:fld>
             <a:endParaRPr lang="en-US" dirty="0"/>
           </a:p>
@@ -3294,7 +3294,7 @@
             <a:fld id="{87DE6118-2437-4B30-8E3C-4D2BE6020583}" type="datetimeFigureOut">
               <a:rPr lang="en-US" dirty="0"/>
               <a:pPr/>
-              <a:t>6/4/2019</a:t>
+              <a:t>6/19/2019</a:t>
             </a:fld>
             <a:endParaRPr lang="en-US" dirty="0"/>
           </a:p>
@@ -4414,12 +4414,6 @@
           </a:p>
           <a:p>
             <a:r>
-              <a:rPr lang="nl-NL" sz="2200" dirty="0"/>
-              <a:t>Libraries</a:t>
-            </a:r>
-          </a:p>
-          <a:p>
-            <a:r>
               <a:rPr lang="nl-NL" sz="2200" dirty="0" err="1"/>
               <a:t>Documentation</a:t>
             </a:r>
@@ -4513,39 +4507,52 @@
           <a:lstStyle/>
           <a:p>
             <a:r>
-              <a:rPr lang="en-US" sz="2200" dirty="0"/>
-              <a:t>Open main.py</a:t>
-            </a:r>
-          </a:p>
-          <a:p>
-            <a:r>
-              <a:rPr lang="en-US" sz="2200" dirty="0"/>
-              <a:t>Select the amount of rounds</a:t>
-            </a:r>
-          </a:p>
-          <a:p>
-            <a:r>
-              <a:rPr lang="en-US" sz="2200" dirty="0"/>
-              <a:t>Show your colored paper and press Q</a:t>
-            </a:r>
-          </a:p>
-          <a:p>
-            <a:r>
               <a:rPr lang="nl-NL" sz="2200" dirty="0"/>
-              <a:t>Get feedback</a:t>
+              <a:t>Start Camera_debug.py</a:t>
             </a:r>
           </a:p>
           <a:p>
             <a:r>
               <a:rPr lang="nl-NL" sz="2200" dirty="0"/>
-              <a:t>Play </a:t>
-            </a:r>
-            <a:r>
-              <a:rPr lang="en-US" sz="2200" dirty="0"/>
-              <a:t>again</a:t>
-            </a:r>
-          </a:p>
-          <a:p>
+              <a:t>Change </a:t>
+            </a:r>
+            <a:r>
+              <a:rPr lang="nl-NL" sz="2200" dirty="0" err="1"/>
+              <a:t>values</a:t>
+            </a:r>
+            <a:r>
+              <a:rPr lang="nl-NL" sz="2200" dirty="0"/>
+              <a:t> of arrays</a:t>
+            </a:r>
+          </a:p>
+          <a:p>
+            <a:r>
+              <a:rPr lang="nl-NL" sz="2200" dirty="0"/>
+              <a:t>Copy </a:t>
+            </a:r>
+            <a:r>
+              <a:rPr lang="nl-NL" sz="2200" dirty="0" err="1"/>
+              <a:t>values</a:t>
+            </a:r>
+            <a:r>
+              <a:rPr lang="nl-NL" sz="2200" dirty="0"/>
+              <a:t> </a:t>
+            </a:r>
+            <a:r>
+              <a:rPr lang="nl-NL" sz="2200" dirty="0" err="1"/>
+              <a:t>to</a:t>
+            </a:r>
+            <a:r>
+              <a:rPr lang="nl-NL" sz="2200" dirty="0"/>
+              <a:t> main.py</a:t>
+            </a:r>
+            <a:endParaRPr lang="en-US" sz="2200" dirty="0"/>
+          </a:p>
+          <a:p>
+            <a:r>
+              <a:rPr lang="nl-NL" dirty="0"/>
+              <a:t>Run main.py</a:t>
+            </a:r>
             <a:endParaRPr lang="en-US" dirty="0"/>
           </a:p>
         </p:txBody>

--- a/documentation/Presentation/Presentation+.pptx
+++ b/documentation/Presentation/Presentation+.pptx
@@ -288,7 +288,7 @@
             <a:fld id="{87DE6118-2437-4B30-8E3C-4D2BE6020583}" type="datetimeFigureOut">
               <a:rPr lang="en-US" dirty="0"/>
               <a:pPr/>
-              <a:t>6/19/2019</a:t>
+              <a:t>6/20/2019</a:t>
             </a:fld>
             <a:endParaRPr lang="en-US" dirty="0"/>
           </a:p>
@@ -614,7 +614,7 @@
           <a:p>
             <a:fld id="{87DE6118-2437-4B30-8E3C-4D2BE6020583}" type="datetimeFigureOut">
               <a:rPr lang="en-US" dirty="0"/>
-              <a:t>6/19/2019</a:t>
+              <a:t>6/20/2019</a:t>
             </a:fld>
             <a:endParaRPr lang="en-US" dirty="0"/>
           </a:p>
@@ -789,7 +789,7 @@
           <a:p>
             <a:fld id="{87DE6118-2437-4B30-8E3C-4D2BE6020583}" type="datetimeFigureOut">
               <a:rPr lang="en-US" dirty="0"/>
-              <a:t>6/19/2019</a:t>
+              <a:t>6/20/2019</a:t>
             </a:fld>
             <a:endParaRPr lang="en-US" dirty="0"/>
           </a:p>
@@ -954,7 +954,7 @@
           <a:p>
             <a:fld id="{87DE6118-2437-4B30-8E3C-4D2BE6020583}" type="datetimeFigureOut">
               <a:rPr lang="en-US" dirty="0"/>
-              <a:t>6/19/2019</a:t>
+              <a:t>6/20/2019</a:t>
             </a:fld>
             <a:endParaRPr lang="en-US" dirty="0"/>
           </a:p>
@@ -1227,7 +1227,7 @@
             <a:fld id="{87DE6118-2437-4B30-8E3C-4D2BE6020583}" type="datetimeFigureOut">
               <a:rPr lang="en-US" dirty="0"/>
               <a:pPr/>
-              <a:t>6/19/2019</a:t>
+              <a:t>6/20/2019</a:t>
             </a:fld>
             <a:endParaRPr lang="en-US" dirty="0"/>
           </a:p>
@@ -1617,7 +1617,7 @@
           <a:p>
             <a:fld id="{87DE6118-2437-4B30-8E3C-4D2BE6020583}" type="datetimeFigureOut">
               <a:rPr lang="en-US" dirty="0"/>
-              <a:t>6/19/2019</a:t>
+              <a:t>6/20/2019</a:t>
             </a:fld>
             <a:endParaRPr lang="en-US" dirty="0"/>
           </a:p>
@@ -2089,7 +2089,7 @@
           <a:p>
             <a:fld id="{87DE6118-2437-4B30-8E3C-4D2BE6020583}" type="datetimeFigureOut">
               <a:rPr lang="en-US" dirty="0"/>
-              <a:t>6/19/2019</a:t>
+              <a:t>6/20/2019</a:t>
             </a:fld>
             <a:endParaRPr lang="en-US" dirty="0"/>
           </a:p>
@@ -2202,7 +2202,7 @@
           <a:p>
             <a:fld id="{87DE6118-2437-4B30-8E3C-4D2BE6020583}" type="datetimeFigureOut">
               <a:rPr lang="en-US" dirty="0"/>
-              <a:t>6/19/2019</a:t>
+              <a:t>6/20/2019</a:t>
             </a:fld>
             <a:endParaRPr lang="en-US" dirty="0"/>
           </a:p>
@@ -2292,7 +2292,7 @@
           <a:p>
             <a:fld id="{87DE6118-2437-4B30-8E3C-4D2BE6020583}" type="datetimeFigureOut">
               <a:rPr lang="en-US" dirty="0"/>
-              <a:t>6/19/2019</a:t>
+              <a:t>6/20/2019</a:t>
             </a:fld>
             <a:endParaRPr lang="en-US" dirty="0"/>
           </a:p>
@@ -2634,7 +2634,7 @@
             <a:fld id="{87DE6118-2437-4B30-8E3C-4D2BE6020583}" type="datetimeFigureOut">
               <a:rPr lang="en-US" dirty="0"/>
               <a:pPr/>
-              <a:t>6/19/2019</a:t>
+              <a:t>6/20/2019</a:t>
             </a:fld>
             <a:endParaRPr lang="en-US" dirty="0"/>
           </a:p>
@@ -3019,7 +3019,7 @@
             <a:fld id="{87DE6118-2437-4B30-8E3C-4D2BE6020583}" type="datetimeFigureOut">
               <a:rPr lang="en-US" dirty="0"/>
               <a:pPr/>
-              <a:t>6/19/2019</a:t>
+              <a:t>6/20/2019</a:t>
             </a:fld>
             <a:endParaRPr lang="en-US" dirty="0"/>
           </a:p>
@@ -3294,7 +3294,7 @@
             <a:fld id="{87DE6118-2437-4B30-8E3C-4D2BE6020583}" type="datetimeFigureOut">
               <a:rPr lang="en-US" dirty="0"/>
               <a:pPr/>
-              <a:t>6/19/2019</a:t>
+              <a:t>6/20/2019</a:t>
             </a:fld>
             <a:endParaRPr lang="en-US" dirty="0"/>
           </a:p>
@@ -3890,7 +3890,7 @@
                   <a:schemeClr val="bg1"/>
                 </a:solidFill>
               </a:rPr>
-              <a:t>kachiche</a:t>
+              <a:t>Khachiche</a:t>
             </a:r>
             <a:r>
               <a:rPr lang="nl-NL" dirty="0">
